--- a/Project__Presentation.pptx
+++ b/Project__Presentation.pptx
@@ -318,7 +318,7 @@
           <a:p>
             <a:fld id="{6709A7C5-F934-4E13-809C-5C2EC07B2A1F}" type="datetimeFigureOut">
               <a:rPr lang="en-US" smtClean="0"/>
-              <a:t>5/6/2019</a:t>
+              <a:t>6/8/2020</a:t>
             </a:fld>
             <a:endParaRPr lang="en-US" dirty="0"/>
           </a:p>
@@ -486,7 +486,7 @@
           <a:p>
             <a:fld id="{6709A7C5-F934-4E13-809C-5C2EC07B2A1F}" type="datetimeFigureOut">
               <a:rPr lang="en-US" smtClean="0"/>
-              <a:t>5/6/2019</a:t>
+              <a:t>6/8/2020</a:t>
             </a:fld>
             <a:endParaRPr lang="en-US" dirty="0"/>
           </a:p>
@@ -664,7 +664,7 @@
           <a:p>
             <a:fld id="{6709A7C5-F934-4E13-809C-5C2EC07B2A1F}" type="datetimeFigureOut">
               <a:rPr lang="en-US" smtClean="0"/>
-              <a:t>5/6/2019</a:t>
+              <a:t>6/8/2020</a:t>
             </a:fld>
             <a:endParaRPr lang="en-US" dirty="0"/>
           </a:p>
@@ -832,7 +832,7 @@
           <a:p>
             <a:fld id="{6709A7C5-F934-4E13-809C-5C2EC07B2A1F}" type="datetimeFigureOut">
               <a:rPr lang="en-US" smtClean="0"/>
-              <a:t>5/6/2019</a:t>
+              <a:t>6/8/2020</a:t>
             </a:fld>
             <a:endParaRPr lang="en-US" dirty="0"/>
           </a:p>
@@ -1077,7 +1077,7 @@
           <a:p>
             <a:fld id="{6709A7C5-F934-4E13-809C-5C2EC07B2A1F}" type="datetimeFigureOut">
               <a:rPr lang="en-US" smtClean="0"/>
-              <a:t>5/6/2019</a:t>
+              <a:t>6/8/2020</a:t>
             </a:fld>
             <a:endParaRPr lang="en-US" dirty="0"/>
           </a:p>
@@ -1362,7 +1362,7 @@
           <a:p>
             <a:fld id="{6709A7C5-F934-4E13-809C-5C2EC07B2A1F}" type="datetimeFigureOut">
               <a:rPr lang="en-US" smtClean="0"/>
-              <a:t>5/6/2019</a:t>
+              <a:t>6/8/2020</a:t>
             </a:fld>
             <a:endParaRPr lang="en-US" dirty="0"/>
           </a:p>
@@ -1781,7 +1781,7 @@
           <a:p>
             <a:fld id="{6709A7C5-F934-4E13-809C-5C2EC07B2A1F}" type="datetimeFigureOut">
               <a:rPr lang="en-US" smtClean="0"/>
-              <a:t>5/6/2019</a:t>
+              <a:t>6/8/2020</a:t>
             </a:fld>
             <a:endParaRPr lang="en-US" dirty="0"/>
           </a:p>
@@ -1898,7 +1898,7 @@
           <a:p>
             <a:fld id="{6709A7C5-F934-4E13-809C-5C2EC07B2A1F}" type="datetimeFigureOut">
               <a:rPr lang="en-US" smtClean="0"/>
-              <a:t>5/6/2019</a:t>
+              <a:t>6/8/2020</a:t>
             </a:fld>
             <a:endParaRPr lang="en-US" dirty="0"/>
           </a:p>
@@ -1993,7 +1993,7 @@
           <a:p>
             <a:fld id="{6709A7C5-F934-4E13-809C-5C2EC07B2A1F}" type="datetimeFigureOut">
               <a:rPr lang="en-US" smtClean="0"/>
-              <a:t>5/6/2019</a:t>
+              <a:t>6/8/2020</a:t>
             </a:fld>
             <a:endParaRPr lang="en-US" dirty="0"/>
           </a:p>
@@ -2268,7 +2268,7 @@
           <a:p>
             <a:fld id="{6709A7C5-F934-4E13-809C-5C2EC07B2A1F}" type="datetimeFigureOut">
               <a:rPr lang="en-US" smtClean="0"/>
-              <a:t>5/6/2019</a:t>
+              <a:t>6/8/2020</a:t>
             </a:fld>
             <a:endParaRPr lang="en-US" dirty="0"/>
           </a:p>
@@ -2520,7 +2520,7 @@
           <a:p>
             <a:fld id="{6709A7C5-F934-4E13-809C-5C2EC07B2A1F}" type="datetimeFigureOut">
               <a:rPr lang="en-US" smtClean="0"/>
-              <a:t>5/6/2019</a:t>
+              <a:t>6/8/2020</a:t>
             </a:fld>
             <a:endParaRPr lang="en-US" dirty="0"/>
           </a:p>
@@ -2731,7 +2731,7 @@
           <a:p>
             <a:fld id="{6709A7C5-F934-4E13-809C-5C2EC07B2A1F}" type="datetimeFigureOut">
               <a:rPr lang="en-US" smtClean="0"/>
-              <a:t>5/6/2019</a:t>
+              <a:t>6/8/2020</a:t>
             </a:fld>
             <a:endParaRPr lang="en-US" dirty="0"/>
           </a:p>
@@ -3144,7 +3144,7 @@
             </a:br>
             <a:r>
               <a:rPr lang="en-US" dirty="0"/>
-              <a:t>Minor Project Presentation</a:t>
+              <a:t>Project Presentation</a:t>
             </a:r>
           </a:p>
         </p:txBody>
@@ -3167,7 +3167,7 @@
         </p:spPr>
         <p:txBody>
           <a:bodyPr>
-            <a:normAutofit fontScale="77500" lnSpcReduction="20000"/>
+            <a:normAutofit/>
           </a:bodyPr>
           <a:lstStyle/>
           <a:p>
@@ -3179,45 +3179,14 @@
           <a:p>
             <a:r>
               <a:rPr lang="en-US" dirty="0"/>
-              <a:t>Group Members</a:t>
+              <a:t>By</a:t>
             </a:r>
           </a:p>
           <a:p>
             <a:r>
               <a:rPr lang="en-US" dirty="0"/>
-              <a:t>1. S184044 </a:t>
-            </a:r>
-            <a:r>
-              <a:rPr lang="en-US" dirty="0" err="1"/>
-              <a:t>Yushant</a:t>
-            </a:r>
-            <a:r>
-              <a:rPr lang="en-US" dirty="0"/>
-              <a:t> Tyagi</a:t>
-            </a:r>
-          </a:p>
-          <a:p>
-            <a:r>
-              <a:rPr lang="en-US" dirty="0"/>
-              <a:t>2. S184033 Adhiksha Thorat</a:t>
-            </a:r>
-          </a:p>
-          <a:p>
-            <a:r>
-              <a:rPr lang="en-US" dirty="0"/>
-              <a:t>3. S184038 </a:t>
-            </a:r>
-            <a:r>
-              <a:rPr lang="en-US" dirty="0" err="1"/>
-              <a:t>Pratiksha</a:t>
-            </a:r>
-            <a:r>
-              <a:rPr lang="en-US" dirty="0"/>
-              <a:t> Gandhi</a:t>
-            </a:r>
-          </a:p>
-          <a:p>
-            <a:endParaRPr lang="en-US" dirty="0"/>
+              <a:t> S184044 Yushant Tyagi</a:t>
+            </a:r>
           </a:p>
           <a:p>
             <a:r>
@@ -5551,9 +5520,10 @@
           <a:lstStyle/>
           <a:p>
             <a:r>
-              <a:rPr lang="en-US" dirty="0"/>
-              <a:t>Questions</a:t>
-            </a:r>
+              <a:rPr lang="en-US"/>
+              <a:t>Questions?</a:t>
+            </a:r>
+            <a:endParaRPr lang="en-US" dirty="0"/>
           </a:p>
         </p:txBody>
       </p:sp>
